--- a/企画書案 _0501.pptx
+++ b/企画書案 _0501.pptx
@@ -365,7 +365,7 @@
             <a:fld id="{B61BEF0D-F0BB-DE4B-95CE-6DB70DBA9567}" type="datetimeFigureOut">
               <a:rPr lang="en-US" dirty="0"/>
               <a:pPr/>
-              <a:t>5/1/2020</a:t>
+              <a:t>5/11/2020</a:t>
             </a:fld>
             <a:endParaRPr lang="en-US" dirty="0"/>
           </a:p>
@@ -696,7 +696,7 @@
             <a:fld id="{B61BEF0D-F0BB-DE4B-95CE-6DB70DBA9567}" type="datetimeFigureOut">
               <a:rPr lang="en-US" dirty="0"/>
               <a:pPr/>
-              <a:t>5/1/2020</a:t>
+              <a:t>5/11/2020</a:t>
             </a:fld>
             <a:endParaRPr lang="en-US" dirty="0"/>
           </a:p>
@@ -971,7 +971,7 @@
             <a:fld id="{B61BEF0D-F0BB-DE4B-95CE-6DB70DBA9567}" type="datetimeFigureOut">
               <a:rPr lang="en-US" dirty="0"/>
               <a:pPr/>
-              <a:t>5/1/2020</a:t>
+              <a:t>5/11/2020</a:t>
             </a:fld>
             <a:endParaRPr lang="en-US" dirty="0"/>
           </a:p>
@@ -1536,7 +1536,7 @@
             <a:fld id="{B61BEF0D-F0BB-DE4B-95CE-6DB70DBA9567}" type="datetimeFigureOut">
               <a:rPr lang="en-US" dirty="0"/>
               <a:pPr/>
-              <a:t>5/1/2020</a:t>
+              <a:t>5/11/2020</a:t>
             </a:fld>
             <a:endParaRPr lang="en-US" dirty="0"/>
           </a:p>
@@ -1811,7 +1811,7 @@
             <a:fld id="{B61BEF0D-F0BB-DE4B-95CE-6DB70DBA9567}" type="datetimeFigureOut">
               <a:rPr lang="en-US" dirty="0"/>
               <a:pPr/>
-              <a:t>5/1/2020</a:t>
+              <a:t>5/11/2020</a:t>
             </a:fld>
             <a:endParaRPr lang="en-US" dirty="0"/>
           </a:p>
@@ -2370,7 +2370,7 @@
             <a:fld id="{B61BEF0D-F0BB-DE4B-95CE-6DB70DBA9567}" type="datetimeFigureOut">
               <a:rPr lang="en-US" dirty="0"/>
               <a:pPr/>
-              <a:t>5/1/2020</a:t>
+              <a:t>5/11/2020</a:t>
             </a:fld>
             <a:endParaRPr lang="en-US" dirty="0"/>
           </a:p>
@@ -2694,7 +2694,7 @@
             <a:fld id="{B61BEF0D-F0BB-DE4B-95CE-6DB70DBA9567}" type="datetimeFigureOut">
               <a:rPr lang="en-US" dirty="0"/>
               <a:pPr/>
-              <a:t>5/1/2020</a:t>
+              <a:t>5/11/2020</a:t>
             </a:fld>
             <a:endParaRPr lang="en-US" dirty="0"/>
           </a:p>
@@ -2900,7 +2900,7 @@
             <a:fld id="{B61BEF0D-F0BB-DE4B-95CE-6DB70DBA9567}" type="datetimeFigureOut">
               <a:rPr lang="en-US" dirty="0"/>
               <a:pPr/>
-              <a:t>5/1/2020</a:t>
+              <a:t>5/11/2020</a:t>
             </a:fld>
             <a:endParaRPr lang="en-US" dirty="0"/>
           </a:p>
@@ -3167,7 +3167,7 @@
             <a:fld id="{B61BEF0D-F0BB-DE4B-95CE-6DB70DBA9567}" type="datetimeFigureOut">
               <a:rPr lang="en-US" dirty="0"/>
               <a:pPr/>
-              <a:t>5/1/2020</a:t>
+              <a:t>5/11/2020</a:t>
             </a:fld>
             <a:endParaRPr lang="en-US" dirty="0"/>
           </a:p>
@@ -3396,7 +3396,7 @@
             <a:fld id="{B61BEF0D-F0BB-DE4B-95CE-6DB70DBA9567}" type="datetimeFigureOut">
               <a:rPr lang="en-US" dirty="0"/>
               <a:pPr/>
-              <a:t>5/1/2020</a:t>
+              <a:t>5/11/2020</a:t>
             </a:fld>
             <a:endParaRPr lang="en-US" dirty="0"/>
           </a:p>
@@ -3669,7 +3669,7 @@
             <a:fld id="{B61BEF0D-F0BB-DE4B-95CE-6DB70DBA9567}" type="datetimeFigureOut">
               <a:rPr lang="en-US" dirty="0"/>
               <a:pPr/>
-              <a:t>5/1/2020</a:t>
+              <a:t>5/11/2020</a:t>
             </a:fld>
             <a:endParaRPr lang="en-US" dirty="0"/>
           </a:p>
@@ -3996,7 +3996,7 @@
             <a:fld id="{B61BEF0D-F0BB-DE4B-95CE-6DB70DBA9567}" type="datetimeFigureOut">
               <a:rPr lang="en-US" dirty="0"/>
               <a:pPr/>
-              <a:t>5/1/2020</a:t>
+              <a:t>5/11/2020</a:t>
             </a:fld>
             <a:endParaRPr lang="en-US" dirty="0"/>
           </a:p>
@@ -4431,7 +4431,7 @@
             <a:fld id="{B61BEF0D-F0BB-DE4B-95CE-6DB70DBA9567}" type="datetimeFigureOut">
               <a:rPr lang="en-US" dirty="0"/>
               <a:pPr/>
-              <a:t>5/1/2020</a:t>
+              <a:t>5/11/2020</a:t>
             </a:fld>
             <a:endParaRPr lang="en-US" dirty="0"/>
           </a:p>
@@ -4576,7 +4576,7 @@
             <a:fld id="{B61BEF0D-F0BB-DE4B-95CE-6DB70DBA9567}" type="datetimeFigureOut">
               <a:rPr lang="en-US" dirty="0"/>
               <a:pPr/>
-              <a:t>5/1/2020</a:t>
+              <a:t>5/11/2020</a:t>
             </a:fld>
             <a:endParaRPr lang="en-US" dirty="0"/>
           </a:p>
@@ -4698,7 +4698,7 @@
             <a:fld id="{B61BEF0D-F0BB-DE4B-95CE-6DB70DBA9567}" type="datetimeFigureOut">
               <a:rPr lang="en-US" dirty="0"/>
               <a:pPr/>
-              <a:t>5/1/2020</a:t>
+              <a:t>5/11/2020</a:t>
             </a:fld>
             <a:endParaRPr lang="en-US" dirty="0"/>
           </a:p>
@@ -5012,7 +5012,7 @@
             <a:fld id="{B61BEF0D-F0BB-DE4B-95CE-6DB70DBA9567}" type="datetimeFigureOut">
               <a:rPr lang="en-US" dirty="0"/>
               <a:pPr/>
-              <a:t>5/1/2020</a:t>
+              <a:t>5/11/2020</a:t>
             </a:fld>
             <a:endParaRPr lang="en-US" dirty="0"/>
           </a:p>
@@ -5333,7 +5333,7 @@
             <a:fld id="{B61BEF0D-F0BB-DE4B-95CE-6DB70DBA9567}" type="datetimeFigureOut">
               <a:rPr lang="en-US" dirty="0"/>
               <a:pPr/>
-              <a:t>5/1/2020</a:t>
+              <a:t>5/11/2020</a:t>
             </a:fld>
             <a:endParaRPr lang="en-US" dirty="0"/>
           </a:p>
@@ -5576,7 +5576,7 @@
             <a:fld id="{B61BEF0D-F0BB-DE4B-95CE-6DB70DBA9567}" type="datetimeFigureOut">
               <a:rPr lang="en-US" dirty="0"/>
               <a:pPr/>
-              <a:t>5/1/2020</a:t>
+              <a:t>5/11/2020</a:t>
             </a:fld>
             <a:endParaRPr lang="en-US" dirty="0"/>
           </a:p>
@@ -11067,7 +11067,14 @@
                 <a:latin typeface="メイリオ" panose="020B0604030504040204" pitchFamily="50" charset="-128"/>
                 <a:ea typeface="メイリオ" panose="020B0604030504040204" pitchFamily="50" charset="-128"/>
               </a:rPr>
-              <a:t>							  Unreal engin4</a:t>
+              <a:t>							  </a:t>
+            </a:r>
+            <a:r>
+              <a:rPr lang="en-US" altLang="ja-JP" sz="3100" cap="none" dirty="0">
+                <a:latin typeface="メイリオ" panose="020B0604030504040204" pitchFamily="50" charset="-128"/>
+                <a:ea typeface="メイリオ" panose="020B0604030504040204" pitchFamily="50" charset="-128"/>
+              </a:rPr>
+              <a:t>Unity</a:t>
             </a:r>
             <a:r>
               <a:rPr kumimoji="1" lang="ja-JP" altLang="en-US" sz="3100" dirty="0">
